--- a/transcriptome_soybean_WRI1_DGAT_KAS.pptx
+++ b/transcriptome_soybean_WRI1_DGAT_KAS.pptx
@@ -245,7 +245,7 @@
           <a:p>
             <a:fld id="{BF90B151-0DF7-486E-9E84-2B93A77AA56F}" type="datetimeFigureOut">
               <a:rPr lang="en-US" smtClean="0"/>
-              <a:t>5/4/21</a:t>
+              <a:t>5/17/21</a:t>
             </a:fld>
             <a:endParaRPr lang="en-US"/>
           </a:p>
@@ -413,7 +413,7 @@
           <a:p>
             <a:fld id="{BF90B151-0DF7-486E-9E84-2B93A77AA56F}" type="datetimeFigureOut">
               <a:rPr lang="en-US" smtClean="0"/>
-              <a:t>5/4/21</a:t>
+              <a:t>5/17/21</a:t>
             </a:fld>
             <a:endParaRPr lang="en-US"/>
           </a:p>
@@ -591,7 +591,7 @@
           <a:p>
             <a:fld id="{BF90B151-0DF7-486E-9E84-2B93A77AA56F}" type="datetimeFigureOut">
               <a:rPr lang="en-US" smtClean="0"/>
-              <a:t>5/4/21</a:t>
+              <a:t>5/17/21</a:t>
             </a:fld>
             <a:endParaRPr lang="en-US"/>
           </a:p>
@@ -759,7 +759,7 @@
           <a:p>
             <a:fld id="{BF90B151-0DF7-486E-9E84-2B93A77AA56F}" type="datetimeFigureOut">
               <a:rPr lang="en-US" smtClean="0"/>
-              <a:t>5/4/21</a:t>
+              <a:t>5/17/21</a:t>
             </a:fld>
             <a:endParaRPr lang="en-US"/>
           </a:p>
@@ -1004,7 +1004,7 @@
           <a:p>
             <a:fld id="{BF90B151-0DF7-486E-9E84-2B93A77AA56F}" type="datetimeFigureOut">
               <a:rPr lang="en-US" smtClean="0"/>
-              <a:t>5/4/21</a:t>
+              <a:t>5/17/21</a:t>
             </a:fld>
             <a:endParaRPr lang="en-US"/>
           </a:p>
@@ -1233,7 +1233,7 @@
           <a:p>
             <a:fld id="{BF90B151-0DF7-486E-9E84-2B93A77AA56F}" type="datetimeFigureOut">
               <a:rPr lang="en-US" smtClean="0"/>
-              <a:t>5/4/21</a:t>
+              <a:t>5/17/21</a:t>
             </a:fld>
             <a:endParaRPr lang="en-US"/>
           </a:p>
@@ -1597,7 +1597,7 @@
           <a:p>
             <a:fld id="{BF90B151-0DF7-486E-9E84-2B93A77AA56F}" type="datetimeFigureOut">
               <a:rPr lang="en-US" smtClean="0"/>
-              <a:t>5/4/21</a:t>
+              <a:t>5/17/21</a:t>
             </a:fld>
             <a:endParaRPr lang="en-US"/>
           </a:p>
@@ -1714,7 +1714,7 @@
           <a:p>
             <a:fld id="{BF90B151-0DF7-486E-9E84-2B93A77AA56F}" type="datetimeFigureOut">
               <a:rPr lang="en-US" smtClean="0"/>
-              <a:t>5/4/21</a:t>
+              <a:t>5/17/21</a:t>
             </a:fld>
             <a:endParaRPr lang="en-US"/>
           </a:p>
@@ -1809,7 +1809,7 @@
           <a:p>
             <a:fld id="{BF90B151-0DF7-486E-9E84-2B93A77AA56F}" type="datetimeFigureOut">
               <a:rPr lang="en-US" smtClean="0"/>
-              <a:t>5/4/21</a:t>
+              <a:t>5/17/21</a:t>
             </a:fld>
             <a:endParaRPr lang="en-US"/>
           </a:p>
@@ -2084,7 +2084,7 @@
           <a:p>
             <a:fld id="{BF90B151-0DF7-486E-9E84-2B93A77AA56F}" type="datetimeFigureOut">
               <a:rPr lang="en-US" smtClean="0"/>
-              <a:t>5/4/21</a:t>
+              <a:t>5/17/21</a:t>
             </a:fld>
             <a:endParaRPr lang="en-US"/>
           </a:p>
@@ -2336,7 +2336,7 @@
           <a:p>
             <a:fld id="{BF90B151-0DF7-486E-9E84-2B93A77AA56F}" type="datetimeFigureOut">
               <a:rPr lang="en-US" smtClean="0"/>
-              <a:t>5/4/21</a:t>
+              <a:t>5/17/21</a:t>
             </a:fld>
             <a:endParaRPr lang="en-US"/>
           </a:p>
@@ -2547,7 +2547,7 @@
           <a:p>
             <a:fld id="{BF90B151-0DF7-486E-9E84-2B93A77AA56F}" type="datetimeFigureOut">
               <a:rPr lang="en-US" smtClean="0"/>
-              <a:t>5/4/21</a:t>
+              <a:t>5/17/21</a:t>
             </a:fld>
             <a:endParaRPr lang="en-US"/>
           </a:p>
@@ -3099,8 +3099,8 @@
         </p:blipFill>
         <p:spPr>
           <a:xfrm>
-            <a:off x="7482395" y="1120366"/>
-            <a:ext cx="4561072" cy="4729235"/>
+            <a:off x="7482396" y="1120366"/>
+            <a:ext cx="4559349" cy="4727448"/>
           </a:xfrm>
           <a:prstGeom prst="rect">
             <a:avLst/>
@@ -7290,8 +7290,8 @@
           </a:p>
         </p:txBody>
       </p:sp>
-      <mc:AlternateContent xmlns:mc="http://schemas.openxmlformats.org/markup-compatibility/2006">
-        <mc:Choice xmlns:a14="http://schemas.microsoft.com/office/drawing/2010/main" Requires="a14">
+      <mc:AlternateContent xmlns:mc="http://schemas.openxmlformats.org/markup-compatibility/2006" xmlns:a14="http://schemas.microsoft.com/office/drawing/2010/main">
+        <mc:Choice Requires="a14">
           <p:sp>
             <p:nvSpPr>
               <p:cNvPr id="3" name="Content Placeholder 2">
@@ -7842,7 +7842,7 @@
             </p:txBody>
           </p:sp>
         </mc:Choice>
-        <mc:Fallback>
+        <mc:Fallback xmlns="">
           <p:sp>
             <p:nvSpPr>
               <p:cNvPr id="3" name="Content Placeholder 2">

--- a/transcriptome_soybean_WRI1_DGAT_KAS.pptx
+++ b/transcriptome_soybean_WRI1_DGAT_KAS.pptx
@@ -6812,12 +6812,8 @@
           <a:p>
             <a:pPr algn="ctr"/>
             <a:r>
-              <a:rPr lang="en-US" dirty="0" err="1"/>
-              <a:t>KaII</a:t>
-            </a:r>
-            <a:r>
               <a:rPr lang="en-US" dirty="0"/>
-              <a:t> target genes</a:t>
+              <a:t>KASII target genes</a:t>
             </a:r>
           </a:p>
         </p:txBody>
@@ -6882,7 +6878,7 @@
         </p:nvCxnSpPr>
         <p:spPr>
           <a:xfrm flipH="1">
-            <a:off x="3745929" y="5509771"/>
+            <a:off x="4556020" y="5293500"/>
             <a:ext cx="454074" cy="613003"/>
           </a:xfrm>
           <a:prstGeom prst="straightConnector1">
@@ -6925,8 +6921,8 @@
         </p:nvCxnSpPr>
         <p:spPr>
           <a:xfrm flipH="1">
-            <a:off x="4002178" y="5227353"/>
-            <a:ext cx="2373506" cy="1230684"/>
+            <a:off x="4812269" y="5227353"/>
+            <a:ext cx="1563415" cy="1014413"/>
           </a:xfrm>
           <a:prstGeom prst="straightConnector1">
             <a:avLst/>
@@ -6964,7 +6960,7 @@
         </p:nvSpPr>
         <p:spPr>
           <a:xfrm>
-            <a:off x="2252400" y="5983904"/>
+            <a:off x="3062491" y="5767633"/>
             <a:ext cx="1749778" cy="948266"/>
           </a:xfrm>
           <a:prstGeom prst="ellipse">
@@ -7014,7 +7010,7 @@
         <p:spPr>
           <a:xfrm>
             <a:off x="7612964" y="5227353"/>
-            <a:ext cx="1443950" cy="895421"/>
+            <a:ext cx="1462763" cy="740173"/>
           </a:xfrm>
           <a:prstGeom prst="straightConnector1">
             <a:avLst/>
@@ -7052,7 +7048,7 @@
         </p:nvSpPr>
         <p:spPr>
           <a:xfrm>
-            <a:off x="8920131" y="5925027"/>
+            <a:off x="8829358" y="5871601"/>
             <a:ext cx="1443949" cy="948266"/>
           </a:xfrm>
           <a:prstGeom prst="ellipse">
@@ -7100,7 +7096,7 @@
         </p:nvCxnSpPr>
         <p:spPr>
           <a:xfrm>
-            <a:off x="9570558" y="5460325"/>
+            <a:off x="9492694" y="5378285"/>
             <a:ext cx="58639" cy="481254"/>
           </a:xfrm>
           <a:prstGeom prst="straightConnector1">
@@ -7139,7 +7135,7 @@
         </p:nvSpPr>
         <p:spPr>
           <a:xfrm>
-            <a:off x="6272349" y="6015701"/>
+            <a:off x="5942086" y="5748001"/>
             <a:ext cx="1443949" cy="948266"/>
           </a:xfrm>
           <a:prstGeom prst="ellipse">
@@ -7188,9 +7184,9 @@
           <p:nvPr/>
         </p:nvCxnSpPr>
         <p:spPr>
-          <a:xfrm>
-            <a:off x="6994324" y="5366223"/>
-            <a:ext cx="0" cy="649478"/>
+          <a:xfrm flipH="1">
+            <a:off x="6664061" y="5366223"/>
+            <a:ext cx="330263" cy="381778"/>
           </a:xfrm>
           <a:prstGeom prst="straightConnector1">
             <a:avLst/>
@@ -7290,8 +7286,8 @@
           </a:p>
         </p:txBody>
       </p:sp>
-      <mc:AlternateContent xmlns:mc="http://schemas.openxmlformats.org/markup-compatibility/2006" xmlns:a14="http://schemas.microsoft.com/office/drawing/2010/main">
-        <mc:Choice Requires="a14">
+      <mc:AlternateContent xmlns:mc="http://schemas.openxmlformats.org/markup-compatibility/2006">
+        <mc:Choice xmlns:a14="http://schemas.microsoft.com/office/drawing/2010/main" Requires="a14">
           <p:sp>
             <p:nvSpPr>
               <p:cNvPr id="3" name="Content Placeholder 2">
@@ -7358,19 +7354,15 @@
                   <a:t> </a:t>
                 </a:r>
                 <a:r>
-                  <a:rPr lang="en-US" altLang="zh-CN" dirty="0" err="1"/>
-                  <a:t>KasII</a:t>
+                  <a:rPr lang="en-US" altLang="zh-CN" dirty="0"/>
+                  <a:t>KASII</a:t>
                 </a:r>
                 <a:endParaRPr lang="en-US" dirty="0"/>
               </a:p>
               <a:p>
                 <a:r>
                   <a:rPr lang="en-US" dirty="0"/>
-                  <a:t>T</a:t>
-                </a:r>
-                <a:r>
-                  <a:rPr lang="en-US"/>
-                  <a:t>: time</a:t>
+                  <a:t>T: time</a:t>
                 </a:r>
               </a:p>
               <a:p>
@@ -7842,7 +7834,7 @@
             </p:txBody>
           </p:sp>
         </mc:Choice>
-        <mc:Fallback xmlns="">
+        <mc:Fallback>
           <p:sp>
             <p:nvSpPr>
               <p:cNvPr id="3" name="Content Placeholder 2">
